--- a/doc/tex/sdf/m_qam_system/figures_raw/MQAM_system_block_diagram.pptx
+++ b/doc/tex/sdf/m_qam_system/figures_raw/MQAM_system_block_diagram.pptx
@@ -104,6 +104,11 @@
       </a:defRPr>
     </a:lvl9pPr>
   </p:defaultTextStyle>
+  <p:extLst>
+    <p:ext uri="{EFAFB233-063F-42B5-8137-9DF3F51BA10A}">
+      <p15:sldGuideLst xmlns:p15="http://schemas.microsoft.com/office/powerpoint/2012/main"/>
+    </p:ext>
+  </p:extLst>
 </p:presentation>
 </file>
 
@@ -258,7 +263,7 @@
           <a:p>
             <a:fld id="{51E9D6E6-533D-4D92-925B-FB8EFDE48C86}" type="datetimeFigureOut">
               <a:rPr lang="pt-PT" smtClean="0"/>
-              <a:t>10-12-2017</a:t>
+              <a:t>26-12-2017</a:t>
             </a:fld>
             <a:endParaRPr lang="pt-PT"/>
           </a:p>
@@ -456,7 +461,7 @@
           <a:p>
             <a:fld id="{51E9D6E6-533D-4D92-925B-FB8EFDE48C86}" type="datetimeFigureOut">
               <a:rPr lang="pt-PT" smtClean="0"/>
-              <a:t>10-12-2017</a:t>
+              <a:t>26-12-2017</a:t>
             </a:fld>
             <a:endParaRPr lang="pt-PT"/>
           </a:p>
@@ -664,7 +669,7 @@
           <a:p>
             <a:fld id="{51E9D6E6-533D-4D92-925B-FB8EFDE48C86}" type="datetimeFigureOut">
               <a:rPr lang="pt-PT" smtClean="0"/>
-              <a:t>10-12-2017</a:t>
+              <a:t>26-12-2017</a:t>
             </a:fld>
             <a:endParaRPr lang="pt-PT"/>
           </a:p>
@@ -862,7 +867,7 @@
           <a:p>
             <a:fld id="{51E9D6E6-533D-4D92-925B-FB8EFDE48C86}" type="datetimeFigureOut">
               <a:rPr lang="pt-PT" smtClean="0"/>
-              <a:t>10-12-2017</a:t>
+              <a:t>26-12-2017</a:t>
             </a:fld>
             <a:endParaRPr lang="pt-PT"/>
           </a:p>
@@ -1137,7 +1142,7 @@
           <a:p>
             <a:fld id="{51E9D6E6-533D-4D92-925B-FB8EFDE48C86}" type="datetimeFigureOut">
               <a:rPr lang="pt-PT" smtClean="0"/>
-              <a:t>10-12-2017</a:t>
+              <a:t>26-12-2017</a:t>
             </a:fld>
             <a:endParaRPr lang="pt-PT"/>
           </a:p>
@@ -1402,7 +1407,7 @@
           <a:p>
             <a:fld id="{51E9D6E6-533D-4D92-925B-FB8EFDE48C86}" type="datetimeFigureOut">
               <a:rPr lang="pt-PT" smtClean="0"/>
-              <a:t>10-12-2017</a:t>
+              <a:t>26-12-2017</a:t>
             </a:fld>
             <a:endParaRPr lang="pt-PT"/>
           </a:p>
@@ -1814,7 +1819,7 @@
           <a:p>
             <a:fld id="{51E9D6E6-533D-4D92-925B-FB8EFDE48C86}" type="datetimeFigureOut">
               <a:rPr lang="pt-PT" smtClean="0"/>
-              <a:t>10-12-2017</a:t>
+              <a:t>26-12-2017</a:t>
             </a:fld>
             <a:endParaRPr lang="pt-PT"/>
           </a:p>
@@ -1955,7 +1960,7 @@
           <a:p>
             <a:fld id="{51E9D6E6-533D-4D92-925B-FB8EFDE48C86}" type="datetimeFigureOut">
               <a:rPr lang="pt-PT" smtClean="0"/>
-              <a:t>10-12-2017</a:t>
+              <a:t>26-12-2017</a:t>
             </a:fld>
             <a:endParaRPr lang="pt-PT"/>
           </a:p>
@@ -2068,7 +2073,7 @@
           <a:p>
             <a:fld id="{51E9D6E6-533D-4D92-925B-FB8EFDE48C86}" type="datetimeFigureOut">
               <a:rPr lang="pt-PT" smtClean="0"/>
-              <a:t>10-12-2017</a:t>
+              <a:t>26-12-2017</a:t>
             </a:fld>
             <a:endParaRPr lang="pt-PT"/>
           </a:p>
@@ -2379,7 +2384,7 @@
           <a:p>
             <a:fld id="{51E9D6E6-533D-4D92-925B-FB8EFDE48C86}" type="datetimeFigureOut">
               <a:rPr lang="pt-PT" smtClean="0"/>
-              <a:t>10-12-2017</a:t>
+              <a:t>26-12-2017</a:t>
             </a:fld>
             <a:endParaRPr lang="pt-PT"/>
           </a:p>
@@ -2667,7 +2672,7 @@
           <a:p>
             <a:fld id="{51E9D6E6-533D-4D92-925B-FB8EFDE48C86}" type="datetimeFigureOut">
               <a:rPr lang="pt-PT" smtClean="0"/>
-              <a:t>10-12-2017</a:t>
+              <a:t>26-12-2017</a:t>
             </a:fld>
             <a:endParaRPr lang="pt-PT"/>
           </a:p>
@@ -2908,7 +2913,7 @@
           <a:p>
             <a:fld id="{51E9D6E6-533D-4D92-925B-FB8EFDE48C86}" type="datetimeFigureOut">
               <a:rPr lang="pt-PT" smtClean="0"/>
-              <a:t>10-12-2017</a:t>
+              <a:t>26-12-2017</a:t>
             </a:fld>
             <a:endParaRPr lang="pt-PT"/>
           </a:p>
@@ -3325,700 +3330,705 @@
           <a:chExt cx="0" cy="0"/>
         </a:xfrm>
       </p:grpSpPr>
-      <p:grpSp>
-        <p:nvGrpSpPr>
-          <p:cNvPr id="4" name="Grupo 3">
-            <a:extLst>
-              <a:ext uri="{FF2B5EF4-FFF2-40B4-BE49-F238E27FC236}">
-                <a16:creationId xmlns:a16="http://schemas.microsoft.com/office/drawing/2014/main" id="{5C365BE2-8167-4B76-850D-852F0CD5FBE3}"/>
-              </a:ext>
-            </a:extLst>
-          </p:cNvPr>
-          <p:cNvGrpSpPr/>
+      <p:sp>
+        <p:nvSpPr>
+          <p:cNvPr id="5" name="Rectangle 3">
+            <a:extLst>
+              <a:ext uri="{FF2B5EF4-FFF2-40B4-BE49-F238E27FC236}">
+                <a16:creationId xmlns:a16="http://schemas.microsoft.com/office/drawing/2014/main" id="{6602EDF2-A2CC-43E1-AD29-36FDDF709E13}"/>
+              </a:ext>
+            </a:extLst>
+          </p:cNvPr>
+          <p:cNvSpPr/>
           <p:nvPr/>
-        </p:nvGrpSpPr>
-        <p:grpSpPr>
+        </p:nvSpPr>
+        <p:spPr>
           <a:xfrm>
-            <a:off x="2148190" y="2206968"/>
-            <a:ext cx="7895619" cy="2631461"/>
-            <a:chOff x="3078547" y="1994934"/>
-            <a:chExt cx="7895619" cy="2631461"/>
+            <a:off x="2148190" y="2599774"/>
+            <a:ext cx="1307525" cy="785612"/>
           </a:xfrm>
-        </p:grpSpPr>
-        <p:sp>
-          <p:nvSpPr>
-            <p:cNvPr id="5" name="Rectangle 3">
-              <a:extLst>
-                <a:ext uri="{FF2B5EF4-FFF2-40B4-BE49-F238E27FC236}">
-                  <a16:creationId xmlns:a16="http://schemas.microsoft.com/office/drawing/2014/main" id="{6602EDF2-A2CC-43E1-AD29-36FDDF709E13}"/>
-                </a:ext>
-              </a:extLst>
-            </p:cNvPr>
-            <p:cNvSpPr/>
-            <p:nvPr/>
-          </p:nvSpPr>
-          <p:spPr>
-            <a:xfrm>
-              <a:off x="3078547" y="2387740"/>
-              <a:ext cx="1307525" cy="785612"/>
-            </a:xfrm>
-            <a:prstGeom prst="rect">
-              <a:avLst/>
-            </a:prstGeom>
-            <a:noFill/>
-            <a:ln w="25400">
+          <a:prstGeom prst="rect">
+            <a:avLst/>
+          </a:prstGeom>
+          <a:noFill/>
+          <a:ln w="25400">
+            <a:solidFill>
+              <a:schemeClr val="tx1"/>
+            </a:solidFill>
+          </a:ln>
+        </p:spPr>
+        <p:style>
+          <a:lnRef idx="2">
+            <a:schemeClr val="accent1">
+              <a:shade val="50000"/>
+            </a:schemeClr>
+          </a:lnRef>
+          <a:fillRef idx="1">
+            <a:schemeClr val="accent1"/>
+          </a:fillRef>
+          <a:effectRef idx="0">
+            <a:schemeClr val="accent1"/>
+          </a:effectRef>
+          <a:fontRef idx="minor">
+            <a:schemeClr val="lt1"/>
+          </a:fontRef>
+        </p:style>
+        <p:txBody>
+          <a:bodyPr rtlCol="0" anchor="ctr"/>
+          <a:lstStyle/>
+          <a:p>
+            <a:pPr algn="ctr"/>
+            <a:r>
+              <a:rPr lang="pt-PT" dirty="0">
+                <a:solidFill>
+                  <a:schemeClr val="tx1"/>
+                </a:solidFill>
+              </a:rPr>
+              <a:t>M-QAM Transmitter</a:t>
+            </a:r>
+          </a:p>
+        </p:txBody>
+      </p:sp>
+      <p:sp>
+        <p:nvSpPr>
+          <p:cNvPr id="6" name="Rectangle 4">
+            <a:extLst>
+              <a:ext uri="{FF2B5EF4-FFF2-40B4-BE49-F238E27FC236}">
+                <a16:creationId xmlns:a16="http://schemas.microsoft.com/office/drawing/2014/main" id="{E4A7CBEC-24EF-44DB-ACBB-9241BE6A3FC2}"/>
+              </a:ext>
+            </a:extLst>
+          </p:cNvPr>
+          <p:cNvSpPr/>
+          <p:nvPr/>
+        </p:nvSpPr>
+        <p:spPr>
+          <a:xfrm>
+            <a:off x="6749762" y="2599774"/>
+            <a:ext cx="1139464" cy="785612"/>
+          </a:xfrm>
+          <a:prstGeom prst="rect">
+            <a:avLst/>
+          </a:prstGeom>
+          <a:noFill/>
+          <a:ln w="25400">
+            <a:solidFill>
+              <a:schemeClr val="tx1"/>
+            </a:solidFill>
+          </a:ln>
+        </p:spPr>
+        <p:style>
+          <a:lnRef idx="2">
+            <a:schemeClr val="accent1">
+              <a:shade val="50000"/>
+            </a:schemeClr>
+          </a:lnRef>
+          <a:fillRef idx="1">
+            <a:schemeClr val="accent1"/>
+          </a:fillRef>
+          <a:effectRef idx="0">
+            <a:schemeClr val="accent1"/>
+          </a:effectRef>
+          <a:fontRef idx="minor">
+            <a:schemeClr val="lt1"/>
+          </a:fontRef>
+        </p:style>
+        <p:txBody>
+          <a:bodyPr rtlCol="0" anchor="ctr"/>
+          <a:lstStyle/>
+          <a:p>
+            <a:pPr algn="ctr"/>
+            <a:r>
+              <a:rPr lang="pt-PT" dirty="0">
+                <a:solidFill>
+                  <a:schemeClr val="tx1"/>
+                </a:solidFill>
+              </a:rPr>
+              <a:t>M-QAM </a:t>
+            </a:r>
+            <a:r>
+              <a:rPr lang="pt-PT" dirty="0" err="1">
+                <a:solidFill>
+                  <a:schemeClr val="tx1"/>
+                </a:solidFill>
+              </a:rPr>
+              <a:t>Receiver</a:t>
+            </a:r>
+            <a:endParaRPr lang="pt-PT" dirty="0">
               <a:solidFill>
                 <a:schemeClr val="tx1"/>
               </a:solidFill>
-            </a:ln>
-          </p:spPr>
-          <p:style>
-            <a:lnRef idx="2">
-              <a:schemeClr val="accent1">
-                <a:shade val="50000"/>
-              </a:schemeClr>
-            </a:lnRef>
-            <a:fillRef idx="1">
-              <a:schemeClr val="accent1"/>
-            </a:fillRef>
-            <a:effectRef idx="0">
-              <a:schemeClr val="accent1"/>
-            </a:effectRef>
-            <a:fontRef idx="minor">
-              <a:schemeClr val="lt1"/>
-            </a:fontRef>
-          </p:style>
-          <p:txBody>
-            <a:bodyPr rtlCol="0" anchor="ctr"/>
-            <a:lstStyle/>
-            <a:p>
-              <a:pPr algn="ctr"/>
-              <a:r>
-                <a:rPr lang="pt-PT" dirty="0">
-                  <a:solidFill>
-                    <a:schemeClr val="tx1"/>
-                  </a:solidFill>
-                </a:rPr>
-                <a:t>MQAM Transmitter</a:t>
-              </a:r>
-            </a:p>
-          </p:txBody>
-        </p:sp>
-        <p:sp>
-          <p:nvSpPr>
-            <p:cNvPr id="6" name="Rectangle 4">
-              <a:extLst>
-                <a:ext uri="{FF2B5EF4-FFF2-40B4-BE49-F238E27FC236}">
-                  <a16:creationId xmlns:a16="http://schemas.microsoft.com/office/drawing/2014/main" id="{E4A7CBEC-24EF-44DB-ACBB-9241BE6A3FC2}"/>
-                </a:ext>
-              </a:extLst>
-            </p:cNvPr>
-            <p:cNvSpPr/>
-            <p:nvPr/>
-          </p:nvSpPr>
-          <p:spPr>
-            <a:xfrm>
-              <a:off x="7680119" y="2387740"/>
-              <a:ext cx="1139464" cy="785612"/>
-            </a:xfrm>
-            <a:prstGeom prst="rect">
-              <a:avLst/>
-            </a:prstGeom>
-            <a:noFill/>
-            <a:ln w="25400">
+            </a:endParaRPr>
+          </a:p>
+        </p:txBody>
+      </p:sp>
+      <p:cxnSp>
+        <p:nvCxnSpPr>
+          <p:cNvPr id="7" name="Straight Connector 6">
+            <a:extLst>
+              <a:ext uri="{FF2B5EF4-FFF2-40B4-BE49-F238E27FC236}">
+                <a16:creationId xmlns:a16="http://schemas.microsoft.com/office/drawing/2014/main" id="{89418C12-2E01-4558-820F-88FEB374FA08}"/>
+              </a:ext>
+            </a:extLst>
+          </p:cNvPr>
+          <p:cNvCxnSpPr>
+            <a:stCxn id="5" idx="3"/>
+            <a:endCxn id="6" idx="1"/>
+          </p:cNvCxnSpPr>
+          <p:nvPr/>
+        </p:nvCxnSpPr>
+        <p:spPr>
+          <a:xfrm>
+            <a:off x="3455715" y="2992580"/>
+            <a:ext cx="3294047" cy="0"/>
+          </a:xfrm>
+          <a:prstGeom prst="line">
+            <a:avLst/>
+          </a:prstGeom>
+          <a:ln w="25400">
+            <a:solidFill>
+              <a:schemeClr val="tx1"/>
+            </a:solidFill>
+            <a:tailEnd type="triangle"/>
+          </a:ln>
+        </p:spPr>
+        <p:style>
+          <a:lnRef idx="1">
+            <a:schemeClr val="accent1"/>
+          </a:lnRef>
+          <a:fillRef idx="0">
+            <a:schemeClr val="accent1"/>
+          </a:fillRef>
+          <a:effectRef idx="0">
+            <a:schemeClr val="accent1"/>
+          </a:effectRef>
+          <a:fontRef idx="minor">
+            <a:schemeClr val="tx1"/>
+          </a:fontRef>
+        </p:style>
+      </p:cxnSp>
+      <p:sp>
+        <p:nvSpPr>
+          <p:cNvPr id="8" name="Rectangle 11">
+            <a:extLst>
+              <a:ext uri="{FF2B5EF4-FFF2-40B4-BE49-F238E27FC236}">
+                <a16:creationId xmlns:a16="http://schemas.microsoft.com/office/drawing/2014/main" id="{6AA72590-B7CE-41E1-9DB3-F957AAAD30BF}"/>
+              </a:ext>
+            </a:extLst>
+          </p:cNvPr>
+          <p:cNvSpPr/>
+          <p:nvPr/>
+        </p:nvSpPr>
+        <p:spPr>
+          <a:xfrm>
+            <a:off x="4335470" y="4052817"/>
+            <a:ext cx="1534535" cy="785612"/>
+          </a:xfrm>
+          <a:prstGeom prst="rect">
+            <a:avLst/>
+          </a:prstGeom>
+          <a:noFill/>
+          <a:ln w="25400">
+            <a:solidFill>
+              <a:schemeClr val="tx1"/>
+            </a:solidFill>
+          </a:ln>
+        </p:spPr>
+        <p:style>
+          <a:lnRef idx="2">
+            <a:schemeClr val="accent1">
+              <a:shade val="50000"/>
+            </a:schemeClr>
+          </a:lnRef>
+          <a:fillRef idx="1">
+            <a:schemeClr val="accent1"/>
+          </a:fillRef>
+          <a:effectRef idx="0">
+            <a:schemeClr val="accent1"/>
+          </a:effectRef>
+          <a:fontRef idx="minor">
+            <a:schemeClr val="lt1"/>
+          </a:fontRef>
+        </p:style>
+        <p:txBody>
+          <a:bodyPr rtlCol="0" anchor="ctr"/>
+          <a:lstStyle/>
+          <a:p>
+            <a:pPr algn="ctr"/>
+            <a:r>
+              <a:rPr lang="pt-PT" dirty="0">
+                <a:solidFill>
+                  <a:schemeClr val="tx1"/>
+                </a:solidFill>
+              </a:rPr>
+              <a:t>BER </a:t>
+            </a:r>
+            <a:r>
+              <a:rPr lang="pt-PT" dirty="0" err="1">
+                <a:solidFill>
+                  <a:schemeClr val="tx1"/>
+                </a:solidFill>
+              </a:rPr>
+              <a:t>Estimator</a:t>
+            </a:r>
+            <a:endParaRPr lang="pt-PT" dirty="0">
               <a:solidFill>
                 <a:schemeClr val="tx1"/>
               </a:solidFill>
-            </a:ln>
-          </p:spPr>
-          <p:style>
-            <a:lnRef idx="2">
-              <a:schemeClr val="accent1">
-                <a:shade val="50000"/>
-              </a:schemeClr>
-            </a:lnRef>
-            <a:fillRef idx="1">
-              <a:schemeClr val="accent1"/>
-            </a:fillRef>
-            <a:effectRef idx="0">
-              <a:schemeClr val="accent1"/>
-            </a:effectRef>
-            <a:fontRef idx="minor">
-              <a:schemeClr val="lt1"/>
-            </a:fontRef>
-          </p:style>
-          <p:txBody>
-            <a:bodyPr rtlCol="0" anchor="ctr"/>
-            <a:lstStyle/>
-            <a:p>
-              <a:pPr algn="ctr"/>
-              <a:r>
-                <a:rPr lang="pt-PT" dirty="0">
-                  <a:solidFill>
-                    <a:schemeClr val="tx1"/>
-                  </a:solidFill>
-                </a:rPr>
-                <a:t>MQAM receiver</a:t>
-              </a:r>
-            </a:p>
-          </p:txBody>
-        </p:sp>
-        <p:cxnSp>
-          <p:nvCxnSpPr>
-            <p:cNvPr id="7" name="Straight Connector 6">
-              <a:extLst>
-                <a:ext uri="{FF2B5EF4-FFF2-40B4-BE49-F238E27FC236}">
-                  <a16:creationId xmlns:a16="http://schemas.microsoft.com/office/drawing/2014/main" id="{89418C12-2E01-4558-820F-88FEB374FA08}"/>
-                </a:ext>
-              </a:extLst>
-            </p:cNvPr>
-            <p:cNvCxnSpPr>
-              <a:stCxn id="5" idx="3"/>
-              <a:endCxn id="6" idx="1"/>
-            </p:cNvCxnSpPr>
-            <p:nvPr/>
-          </p:nvCxnSpPr>
-          <p:spPr>
-            <a:xfrm>
-              <a:off x="4386072" y="2780546"/>
-              <a:ext cx="3294047" cy="0"/>
-            </a:xfrm>
-            <a:prstGeom prst="line">
-              <a:avLst/>
-            </a:prstGeom>
-            <a:ln w="19050">
+            </a:endParaRPr>
+          </a:p>
+        </p:txBody>
+      </p:sp>
+      <p:sp>
+        <p:nvSpPr>
+          <p:cNvPr id="9" name="TextBox 17">
+            <a:extLst>
+              <a:ext uri="{FF2B5EF4-FFF2-40B4-BE49-F238E27FC236}">
+                <a16:creationId xmlns:a16="http://schemas.microsoft.com/office/drawing/2014/main" id="{10C2A67C-3CFB-4851-8A38-03CC3D35BE29}"/>
+              </a:ext>
+            </a:extLst>
+          </p:cNvPr>
+          <p:cNvSpPr txBox="1"/>
+          <p:nvPr/>
+        </p:nvSpPr>
+        <p:spPr>
+          <a:xfrm>
+            <a:off x="2577919" y="2206968"/>
+            <a:ext cx="448063" cy="371505"/>
+          </a:xfrm>
+          <a:prstGeom prst="rect">
+            <a:avLst/>
+          </a:prstGeom>
+          <a:noFill/>
+        </p:spPr>
+        <p:txBody>
+          <a:bodyPr wrap="square" rtlCol="0">
+            <a:spAutoFit/>
+          </a:bodyPr>
+          <a:lstStyle/>
+          <a:p>
+            <a:pPr algn="ctr"/>
+            <a:r>
+              <a:rPr lang="pt-PT" b="1" dirty="0"/>
+              <a:t>B1</a:t>
+            </a:r>
+          </a:p>
+        </p:txBody>
+      </p:sp>
+      <p:cxnSp>
+        <p:nvCxnSpPr>
+          <p:cNvPr id="10" name="Conexão: Ângulo Reto 9">
+            <a:extLst>
+              <a:ext uri="{FF2B5EF4-FFF2-40B4-BE49-F238E27FC236}">
+                <a16:creationId xmlns:a16="http://schemas.microsoft.com/office/drawing/2014/main" id="{AD145116-4538-4F2B-AA4E-C989F8E86903}"/>
+              </a:ext>
+            </a:extLst>
+          </p:cNvPr>
+          <p:cNvCxnSpPr>
+            <a:stCxn id="5" idx="2"/>
+            <a:endCxn id="8" idx="1"/>
+          </p:cNvCxnSpPr>
+          <p:nvPr/>
+        </p:nvCxnSpPr>
+        <p:spPr>
+          <a:xfrm rot="16200000" flipH="1">
+            <a:off x="3038593" y="3148745"/>
+            <a:ext cx="1060237" cy="1533517"/>
+          </a:xfrm>
+          <a:prstGeom prst="bentConnector2">
+            <a:avLst/>
+          </a:prstGeom>
+          <a:ln w="25400">
+            <a:solidFill>
+              <a:schemeClr val="tx1"/>
+            </a:solidFill>
+            <a:tailEnd type="triangle"/>
+          </a:ln>
+        </p:spPr>
+        <p:style>
+          <a:lnRef idx="1">
+            <a:schemeClr val="accent1"/>
+          </a:lnRef>
+          <a:fillRef idx="0">
+            <a:schemeClr val="accent1"/>
+          </a:fillRef>
+          <a:effectRef idx="0">
+            <a:schemeClr val="accent1"/>
+          </a:effectRef>
+          <a:fontRef idx="minor">
+            <a:schemeClr val="tx1"/>
+          </a:fontRef>
+        </p:style>
+      </p:cxnSp>
+      <p:cxnSp>
+        <p:nvCxnSpPr>
+          <p:cNvPr id="11" name="Conexão: Ângulo Reto 10">
+            <a:extLst>
+              <a:ext uri="{FF2B5EF4-FFF2-40B4-BE49-F238E27FC236}">
+                <a16:creationId xmlns:a16="http://schemas.microsoft.com/office/drawing/2014/main" id="{D7636016-9D95-4D82-A348-CC7468A0AFB8}"/>
+              </a:ext>
+            </a:extLst>
+          </p:cNvPr>
+          <p:cNvCxnSpPr>
+            <a:cxnSpLocks/>
+            <a:endCxn id="18" idx="2"/>
+          </p:cNvCxnSpPr>
+          <p:nvPr/>
+        </p:nvCxnSpPr>
+        <p:spPr>
+          <a:xfrm flipV="1">
+            <a:off x="5878799" y="2992580"/>
+            <a:ext cx="2517986" cy="1397302"/>
+          </a:xfrm>
+          <a:prstGeom prst="bentConnector2">
+            <a:avLst/>
+          </a:prstGeom>
+          <a:ln w="25400">
+            <a:solidFill>
+              <a:schemeClr val="tx1"/>
+            </a:solidFill>
+            <a:headEnd type="triangle"/>
+          </a:ln>
+        </p:spPr>
+        <p:style>
+          <a:lnRef idx="1">
+            <a:schemeClr val="accent1"/>
+          </a:lnRef>
+          <a:fillRef idx="0">
+            <a:schemeClr val="accent1"/>
+          </a:fillRef>
+          <a:effectRef idx="0">
+            <a:schemeClr val="accent1"/>
+          </a:effectRef>
+          <a:fontRef idx="minor">
+            <a:schemeClr val="tx1"/>
+          </a:fontRef>
+        </p:style>
+      </p:cxnSp>
+      <p:sp>
+        <p:nvSpPr>
+          <p:cNvPr id="12" name="Rectangle 4">
+            <a:extLst>
+              <a:ext uri="{FF2B5EF4-FFF2-40B4-BE49-F238E27FC236}">
+                <a16:creationId xmlns:a16="http://schemas.microsoft.com/office/drawing/2014/main" id="{E4415350-86AF-4C4A-B94C-BE4574562B56}"/>
+              </a:ext>
+            </a:extLst>
+          </p:cNvPr>
+          <p:cNvSpPr/>
+          <p:nvPr/>
+        </p:nvSpPr>
+        <p:spPr>
+          <a:xfrm>
+            <a:off x="8904345" y="2599774"/>
+            <a:ext cx="1139464" cy="785612"/>
+          </a:xfrm>
+          <a:prstGeom prst="rect">
+            <a:avLst/>
+          </a:prstGeom>
+          <a:noFill/>
+          <a:ln w="25400">
+            <a:solidFill>
+              <a:schemeClr val="tx1"/>
+            </a:solidFill>
+          </a:ln>
+        </p:spPr>
+        <p:style>
+          <a:lnRef idx="2">
+            <a:schemeClr val="accent1">
+              <a:shade val="50000"/>
+            </a:schemeClr>
+          </a:lnRef>
+          <a:fillRef idx="1">
+            <a:schemeClr val="accent1"/>
+          </a:fillRef>
+          <a:effectRef idx="0">
+            <a:schemeClr val="accent1"/>
+          </a:effectRef>
+          <a:fontRef idx="minor">
+            <a:schemeClr val="lt1"/>
+          </a:fontRef>
+        </p:style>
+        <p:txBody>
+          <a:bodyPr rtlCol="0" anchor="ctr"/>
+          <a:lstStyle/>
+          <a:p>
+            <a:pPr algn="ctr"/>
+            <a:r>
+              <a:rPr lang="pt-PT" dirty="0" err="1">
+                <a:solidFill>
+                  <a:schemeClr val="tx1"/>
+                </a:solidFill>
+              </a:rPr>
+              <a:t>Sink</a:t>
+            </a:r>
+            <a:endParaRPr lang="pt-PT" dirty="0">
               <a:solidFill>
                 <a:schemeClr val="tx1"/>
               </a:solidFill>
-              <a:tailEnd type="triangle"/>
-            </a:ln>
-          </p:spPr>
-          <p:style>
-            <a:lnRef idx="1">
-              <a:schemeClr val="accent1"/>
-            </a:lnRef>
-            <a:fillRef idx="0">
-              <a:schemeClr val="accent1"/>
-            </a:fillRef>
-            <a:effectRef idx="0">
-              <a:schemeClr val="accent1"/>
-            </a:effectRef>
-            <a:fontRef idx="minor">
+            </a:endParaRPr>
+          </a:p>
+        </p:txBody>
+      </p:sp>
+      <p:cxnSp>
+        <p:nvCxnSpPr>
+          <p:cNvPr id="13" name="Conexão reta 12">
+            <a:extLst>
+              <a:ext uri="{FF2B5EF4-FFF2-40B4-BE49-F238E27FC236}">
+                <a16:creationId xmlns:a16="http://schemas.microsoft.com/office/drawing/2014/main" id="{0061DB9E-78AB-4D3E-9F35-C7C2C946F408}"/>
+              </a:ext>
+            </a:extLst>
+          </p:cNvPr>
+          <p:cNvCxnSpPr>
+            <a:stCxn id="6" idx="3"/>
+            <a:endCxn id="12" idx="1"/>
+          </p:cNvCxnSpPr>
+          <p:nvPr/>
+        </p:nvCxnSpPr>
+        <p:spPr>
+          <a:xfrm>
+            <a:off x="7889226" y="2992580"/>
+            <a:ext cx="1015119" cy="0"/>
+          </a:xfrm>
+          <a:prstGeom prst="line">
+            <a:avLst/>
+          </a:prstGeom>
+          <a:ln w="25400">
+            <a:solidFill>
               <a:schemeClr val="tx1"/>
-            </a:fontRef>
-          </p:style>
-        </p:cxnSp>
-        <p:sp>
-          <p:nvSpPr>
-            <p:cNvPr id="8" name="Rectangle 11">
-              <a:extLst>
-                <a:ext uri="{FF2B5EF4-FFF2-40B4-BE49-F238E27FC236}">
-                  <a16:creationId xmlns:a16="http://schemas.microsoft.com/office/drawing/2014/main" id="{6AA72590-B7CE-41E1-9DB3-F957AAAD30BF}"/>
-                </a:ext>
-              </a:extLst>
-            </p:cNvPr>
-            <p:cNvSpPr/>
-            <p:nvPr/>
-          </p:nvSpPr>
-          <p:spPr>
-            <a:xfrm>
-              <a:off x="5265827" y="3840783"/>
-              <a:ext cx="1534535" cy="785612"/>
-            </a:xfrm>
-            <a:prstGeom prst="rect">
-              <a:avLst/>
-            </a:prstGeom>
-            <a:noFill/>
-            <a:ln w="25400">
-              <a:solidFill>
-                <a:schemeClr val="tx1"/>
-              </a:solidFill>
-            </a:ln>
-          </p:spPr>
-          <p:style>
-            <a:lnRef idx="2">
-              <a:schemeClr val="accent1">
-                <a:shade val="50000"/>
-              </a:schemeClr>
-            </a:lnRef>
-            <a:fillRef idx="1">
-              <a:schemeClr val="accent1"/>
-            </a:fillRef>
-            <a:effectRef idx="0">
-              <a:schemeClr val="accent1"/>
-            </a:effectRef>
-            <a:fontRef idx="minor">
-              <a:schemeClr val="lt1"/>
-            </a:fontRef>
-          </p:style>
-          <p:txBody>
-            <a:bodyPr rtlCol="0" anchor="ctr"/>
-            <a:lstStyle/>
-            <a:p>
-              <a:pPr algn="ctr"/>
-              <a:r>
-                <a:rPr lang="pt-PT" dirty="0">
-                  <a:solidFill>
-                    <a:schemeClr val="tx1"/>
-                  </a:solidFill>
-                </a:rPr>
-                <a:t>BER Measurement</a:t>
-              </a:r>
-            </a:p>
-          </p:txBody>
-        </p:sp>
-        <p:sp>
-          <p:nvSpPr>
-            <p:cNvPr id="9" name="TextBox 17">
-              <a:extLst>
-                <a:ext uri="{FF2B5EF4-FFF2-40B4-BE49-F238E27FC236}">
-                  <a16:creationId xmlns:a16="http://schemas.microsoft.com/office/drawing/2014/main" id="{10C2A67C-3CFB-4851-8A38-03CC3D35BE29}"/>
-                </a:ext>
-              </a:extLst>
-            </p:cNvPr>
-            <p:cNvSpPr txBox="1"/>
-            <p:nvPr/>
-          </p:nvSpPr>
-          <p:spPr>
-            <a:xfrm>
-              <a:off x="3508276" y="1994934"/>
-              <a:ext cx="448063" cy="371505"/>
-            </a:xfrm>
-            <a:prstGeom prst="rect">
-              <a:avLst/>
-            </a:prstGeom>
-            <a:noFill/>
-          </p:spPr>
-          <p:txBody>
-            <a:bodyPr wrap="square" rtlCol="0">
-              <a:spAutoFit/>
-            </a:bodyPr>
-            <a:lstStyle/>
-            <a:p>
-              <a:pPr algn="ctr"/>
-              <a:r>
-                <a:rPr lang="pt-PT" b="1" dirty="0"/>
-                <a:t>B1</a:t>
-              </a:r>
-            </a:p>
-          </p:txBody>
-        </p:sp>
-        <p:cxnSp>
-          <p:nvCxnSpPr>
-            <p:cNvPr id="10" name="Conexão: Ângulo Reto 9">
-              <a:extLst>
-                <a:ext uri="{FF2B5EF4-FFF2-40B4-BE49-F238E27FC236}">
-                  <a16:creationId xmlns:a16="http://schemas.microsoft.com/office/drawing/2014/main" id="{AD145116-4538-4F2B-AA4E-C989F8E86903}"/>
-                </a:ext>
-              </a:extLst>
-            </p:cNvPr>
-            <p:cNvCxnSpPr>
-              <a:stCxn id="5" idx="2"/>
-              <a:endCxn id="8" idx="1"/>
-            </p:cNvCxnSpPr>
-            <p:nvPr/>
-          </p:nvCxnSpPr>
-          <p:spPr>
-            <a:xfrm rot="16200000" flipH="1">
-              <a:off x="3968950" y="2936711"/>
-              <a:ext cx="1060237" cy="1533517"/>
-            </a:xfrm>
-            <a:prstGeom prst="bentConnector2">
-              <a:avLst/>
-            </a:prstGeom>
-            <a:ln w="19050">
-              <a:solidFill>
-                <a:schemeClr val="tx1"/>
-              </a:solidFill>
-              <a:tailEnd type="triangle"/>
-            </a:ln>
-          </p:spPr>
-          <p:style>
-            <a:lnRef idx="1">
-              <a:schemeClr val="accent1"/>
-            </a:lnRef>
-            <a:fillRef idx="0">
-              <a:schemeClr val="accent1"/>
-            </a:fillRef>
-            <a:effectRef idx="0">
-              <a:schemeClr val="accent1"/>
-            </a:effectRef>
-            <a:fontRef idx="minor">
-              <a:schemeClr val="tx1"/>
-            </a:fontRef>
-          </p:style>
-        </p:cxnSp>
-        <p:cxnSp>
-          <p:nvCxnSpPr>
-            <p:cNvPr id="11" name="Conexão: Ângulo Reto 10">
-              <a:extLst>
-                <a:ext uri="{FF2B5EF4-FFF2-40B4-BE49-F238E27FC236}">
-                  <a16:creationId xmlns:a16="http://schemas.microsoft.com/office/drawing/2014/main" id="{D7636016-9D95-4D82-A348-CC7468A0AFB8}"/>
-                </a:ext>
-              </a:extLst>
-            </p:cNvPr>
-            <p:cNvCxnSpPr>
-              <a:cxnSpLocks/>
-              <a:endCxn id="18" idx="2"/>
-            </p:cNvCxnSpPr>
-            <p:nvPr/>
-          </p:nvCxnSpPr>
-          <p:spPr>
-            <a:xfrm flipV="1">
-              <a:off x="6809156" y="2780546"/>
-              <a:ext cx="2517986" cy="1397302"/>
-            </a:xfrm>
-            <a:prstGeom prst="bentConnector2">
-              <a:avLst/>
-            </a:prstGeom>
-            <a:ln w="19050">
-              <a:solidFill>
-                <a:schemeClr val="tx1"/>
-              </a:solidFill>
-              <a:headEnd type="triangle"/>
-            </a:ln>
-          </p:spPr>
-          <p:style>
-            <a:lnRef idx="1">
-              <a:schemeClr val="accent1"/>
-            </a:lnRef>
-            <a:fillRef idx="0">
-              <a:schemeClr val="accent1"/>
-            </a:fillRef>
-            <a:effectRef idx="0">
-              <a:schemeClr val="accent1"/>
-            </a:effectRef>
-            <a:fontRef idx="minor">
-              <a:schemeClr val="tx1"/>
-            </a:fontRef>
-          </p:style>
-        </p:cxnSp>
-        <p:sp>
-          <p:nvSpPr>
-            <p:cNvPr id="12" name="Rectangle 4">
-              <a:extLst>
-                <a:ext uri="{FF2B5EF4-FFF2-40B4-BE49-F238E27FC236}">
-                  <a16:creationId xmlns:a16="http://schemas.microsoft.com/office/drawing/2014/main" id="{E4415350-86AF-4C4A-B94C-BE4574562B56}"/>
-                </a:ext>
-              </a:extLst>
-            </p:cNvPr>
-            <p:cNvSpPr/>
-            <p:nvPr/>
-          </p:nvSpPr>
-          <p:spPr>
-            <a:xfrm>
-              <a:off x="9834702" y="2387740"/>
-              <a:ext cx="1139464" cy="785612"/>
-            </a:xfrm>
-            <a:prstGeom prst="rect">
-              <a:avLst/>
-            </a:prstGeom>
-            <a:noFill/>
-            <a:ln w="25400">
-              <a:solidFill>
-                <a:schemeClr val="tx1"/>
-              </a:solidFill>
-            </a:ln>
-          </p:spPr>
-          <p:style>
-            <a:lnRef idx="2">
-              <a:schemeClr val="accent1">
-                <a:shade val="50000"/>
-              </a:schemeClr>
-            </a:lnRef>
-            <a:fillRef idx="1">
-              <a:schemeClr val="accent1"/>
-            </a:fillRef>
-            <a:effectRef idx="0">
-              <a:schemeClr val="accent1"/>
-            </a:effectRef>
-            <a:fontRef idx="minor">
-              <a:schemeClr val="lt1"/>
-            </a:fontRef>
-          </p:style>
-          <p:txBody>
-            <a:bodyPr rtlCol="0" anchor="ctr"/>
-            <a:lstStyle/>
-            <a:p>
-              <a:pPr algn="ctr"/>
-              <a:r>
-                <a:rPr lang="pt-PT" dirty="0" err="1">
-                  <a:solidFill>
-                    <a:schemeClr val="tx1"/>
-                  </a:solidFill>
-                </a:rPr>
-                <a:t>Sink</a:t>
-              </a:r>
-              <a:endParaRPr lang="pt-PT" dirty="0">
-                <a:solidFill>
-                  <a:schemeClr val="tx1"/>
-                </a:solidFill>
-              </a:endParaRPr>
-            </a:p>
-          </p:txBody>
-        </p:sp>
-        <p:cxnSp>
-          <p:nvCxnSpPr>
-            <p:cNvPr id="13" name="Conexão reta 12">
-              <a:extLst>
-                <a:ext uri="{FF2B5EF4-FFF2-40B4-BE49-F238E27FC236}">
-                  <a16:creationId xmlns:a16="http://schemas.microsoft.com/office/drawing/2014/main" id="{0061DB9E-78AB-4D3E-9F35-C7C2C946F408}"/>
-                </a:ext>
-              </a:extLst>
-            </p:cNvPr>
-            <p:cNvCxnSpPr>
-              <a:stCxn id="6" idx="3"/>
-              <a:endCxn id="12" idx="1"/>
-            </p:cNvCxnSpPr>
-            <p:nvPr/>
-          </p:nvCxnSpPr>
-          <p:spPr>
-            <a:xfrm>
-              <a:off x="8819583" y="2780546"/>
-              <a:ext cx="1015119" cy="0"/>
-            </a:xfrm>
-            <a:prstGeom prst="line">
-              <a:avLst/>
-            </a:prstGeom>
-            <a:ln w="19050">
-              <a:solidFill>
-                <a:schemeClr val="tx1"/>
-              </a:solidFill>
-              <a:tailEnd type="triangle"/>
-            </a:ln>
-          </p:spPr>
-          <p:style>
-            <a:lnRef idx="1">
-              <a:schemeClr val="accent1"/>
-            </a:lnRef>
-            <a:fillRef idx="0">
-              <a:schemeClr val="accent1"/>
-            </a:fillRef>
-            <a:effectRef idx="0">
-              <a:schemeClr val="accent1"/>
-            </a:effectRef>
-            <a:fontRef idx="minor">
-              <a:schemeClr val="tx1"/>
-            </a:fontRef>
-          </p:style>
-        </p:cxnSp>
-        <p:sp>
-          <p:nvSpPr>
-            <p:cNvPr id="14" name="TextBox 17">
-              <a:extLst>
-                <a:ext uri="{FF2B5EF4-FFF2-40B4-BE49-F238E27FC236}">
-                  <a16:creationId xmlns:a16="http://schemas.microsoft.com/office/drawing/2014/main" id="{F8FE3B3C-3A6D-4F43-88BF-1B39362F1F02}"/>
-                </a:ext>
-              </a:extLst>
-            </p:cNvPr>
-            <p:cNvSpPr txBox="1"/>
-            <p:nvPr/>
-          </p:nvSpPr>
-          <p:spPr>
-            <a:xfrm>
-              <a:off x="8025819" y="1994934"/>
-              <a:ext cx="448063" cy="371505"/>
-            </a:xfrm>
-            <a:prstGeom prst="rect">
-              <a:avLst/>
-            </a:prstGeom>
-            <a:noFill/>
-          </p:spPr>
-          <p:txBody>
-            <a:bodyPr wrap="square" rtlCol="0">
-              <a:spAutoFit/>
-            </a:bodyPr>
-            <a:lstStyle/>
-            <a:p>
-              <a:pPr algn="ctr"/>
-              <a:r>
-                <a:rPr lang="pt-PT" b="1" dirty="0"/>
-                <a:t>B2</a:t>
-              </a:r>
-            </a:p>
-          </p:txBody>
-        </p:sp>
-        <p:sp>
-          <p:nvSpPr>
-            <p:cNvPr id="15" name="TextBox 17">
-              <a:extLst>
-                <a:ext uri="{FF2B5EF4-FFF2-40B4-BE49-F238E27FC236}">
-                  <a16:creationId xmlns:a16="http://schemas.microsoft.com/office/drawing/2014/main" id="{BA9F7695-BCE9-4650-963F-AF05EE870013}"/>
-                </a:ext>
-              </a:extLst>
-            </p:cNvPr>
-            <p:cNvSpPr txBox="1"/>
-            <p:nvPr/>
-          </p:nvSpPr>
-          <p:spPr>
-            <a:xfrm>
-              <a:off x="5813460" y="3469277"/>
-              <a:ext cx="448063" cy="371505"/>
-            </a:xfrm>
-            <a:prstGeom prst="rect">
-              <a:avLst/>
-            </a:prstGeom>
-            <a:noFill/>
-          </p:spPr>
-          <p:txBody>
-            <a:bodyPr wrap="square" rtlCol="0">
-              <a:spAutoFit/>
-            </a:bodyPr>
-            <a:lstStyle/>
-            <a:p>
-              <a:pPr algn="ctr"/>
-              <a:r>
-                <a:rPr lang="pt-PT" b="1" dirty="0"/>
-                <a:t>B3</a:t>
-              </a:r>
-            </a:p>
-          </p:txBody>
-        </p:sp>
-        <p:sp>
-          <p:nvSpPr>
-            <p:cNvPr id="16" name="TextBox 17">
-              <a:extLst>
-                <a:ext uri="{FF2B5EF4-FFF2-40B4-BE49-F238E27FC236}">
-                  <a16:creationId xmlns:a16="http://schemas.microsoft.com/office/drawing/2014/main" id="{5B8D916C-2547-4B3E-9C67-2B28201F9DFD}"/>
-                </a:ext>
-              </a:extLst>
-            </p:cNvPr>
-            <p:cNvSpPr txBox="1"/>
-            <p:nvPr/>
-          </p:nvSpPr>
-          <p:spPr>
-            <a:xfrm>
-              <a:off x="10180402" y="1994934"/>
-              <a:ext cx="448063" cy="371505"/>
-            </a:xfrm>
-            <a:prstGeom prst="rect">
-              <a:avLst/>
-            </a:prstGeom>
-            <a:noFill/>
-          </p:spPr>
-          <p:txBody>
-            <a:bodyPr wrap="square" rtlCol="0">
-              <a:spAutoFit/>
-            </a:bodyPr>
-            <a:lstStyle/>
-            <a:p>
-              <a:pPr algn="ctr"/>
-              <a:r>
-                <a:rPr lang="pt-PT" b="1" dirty="0"/>
-                <a:t>B4</a:t>
-              </a:r>
-            </a:p>
-          </p:txBody>
-        </p:sp>
-        <p:sp>
-          <p:nvSpPr>
-            <p:cNvPr id="17" name="TextBox 67">
-              <a:extLst>
-                <a:ext uri="{FF2B5EF4-FFF2-40B4-BE49-F238E27FC236}">
-                  <a16:creationId xmlns:a16="http://schemas.microsoft.com/office/drawing/2014/main" id="{A49124AD-E156-414A-B0D1-1DEF8A17E4D3}"/>
-                </a:ext>
-              </a:extLst>
-            </p:cNvPr>
-            <p:cNvSpPr txBox="1"/>
-            <p:nvPr/>
-          </p:nvSpPr>
-          <p:spPr>
-            <a:xfrm>
-              <a:off x="5883201" y="2366439"/>
-              <a:ext cx="436098" cy="369332"/>
-            </a:xfrm>
-            <a:prstGeom prst="rect">
-              <a:avLst/>
-            </a:prstGeom>
-            <a:noFill/>
-          </p:spPr>
-          <p:txBody>
-            <a:bodyPr wrap="square" rtlCol="0">
-              <a:spAutoFit/>
-            </a:bodyPr>
-            <a:lstStyle/>
-            <a:p>
-              <a:pPr algn="ctr"/>
-              <a:r>
-                <a:rPr lang="pt-PT" dirty="0"/>
-                <a:t>S1</a:t>
-              </a:r>
-            </a:p>
-          </p:txBody>
-        </p:sp>
-        <p:sp>
-          <p:nvSpPr>
-            <p:cNvPr id="18" name="TextBox 67">
-              <a:extLst>
-                <a:ext uri="{FF2B5EF4-FFF2-40B4-BE49-F238E27FC236}">
-                  <a16:creationId xmlns:a16="http://schemas.microsoft.com/office/drawing/2014/main" id="{1F100410-37A3-4504-AE98-DB45757A9C73}"/>
-                </a:ext>
-              </a:extLst>
-            </p:cNvPr>
-            <p:cNvSpPr txBox="1"/>
-            <p:nvPr/>
-          </p:nvSpPr>
-          <p:spPr>
-            <a:xfrm>
-              <a:off x="9109093" y="2411214"/>
-              <a:ext cx="436098" cy="369332"/>
-            </a:xfrm>
-            <a:prstGeom prst="rect">
-              <a:avLst/>
-            </a:prstGeom>
-            <a:noFill/>
-          </p:spPr>
-          <p:txBody>
-            <a:bodyPr wrap="square" rtlCol="0">
-              <a:spAutoFit/>
-            </a:bodyPr>
-            <a:lstStyle/>
-            <a:p>
-              <a:pPr algn="ctr"/>
-              <a:r>
-                <a:rPr lang="pt-PT" dirty="0"/>
-                <a:t>S2</a:t>
-              </a:r>
-            </a:p>
-          </p:txBody>
-        </p:sp>
-        <p:sp>
-          <p:nvSpPr>
-            <p:cNvPr id="19" name="TextBox 67">
-              <a:extLst>
-                <a:ext uri="{FF2B5EF4-FFF2-40B4-BE49-F238E27FC236}">
-                  <a16:creationId xmlns:a16="http://schemas.microsoft.com/office/drawing/2014/main" id="{662E7882-98E1-4BBF-8177-0D4896CF11EB}"/>
-                </a:ext>
-              </a:extLst>
-            </p:cNvPr>
-            <p:cNvSpPr txBox="1"/>
-            <p:nvPr/>
-          </p:nvSpPr>
-          <p:spPr>
-            <a:xfrm>
-              <a:off x="4300176" y="3840782"/>
-              <a:ext cx="436098" cy="369332"/>
-            </a:xfrm>
-            <a:prstGeom prst="rect">
-              <a:avLst/>
-            </a:prstGeom>
-            <a:noFill/>
-          </p:spPr>
-          <p:txBody>
-            <a:bodyPr wrap="square" rtlCol="0">
-              <a:spAutoFit/>
-            </a:bodyPr>
-            <a:lstStyle/>
-            <a:p>
-              <a:pPr algn="ctr"/>
-              <a:r>
-                <a:rPr lang="pt-PT" dirty="0"/>
-                <a:t>S0</a:t>
-              </a:r>
-            </a:p>
-          </p:txBody>
-        </p:sp>
-      </p:grpSp>
+            </a:solidFill>
+            <a:tailEnd type="triangle"/>
+          </a:ln>
+        </p:spPr>
+        <p:style>
+          <a:lnRef idx="1">
+            <a:schemeClr val="accent1"/>
+          </a:lnRef>
+          <a:fillRef idx="0">
+            <a:schemeClr val="accent1"/>
+          </a:fillRef>
+          <a:effectRef idx="0">
+            <a:schemeClr val="accent1"/>
+          </a:effectRef>
+          <a:fontRef idx="minor">
+            <a:schemeClr val="tx1"/>
+          </a:fontRef>
+        </p:style>
+      </p:cxnSp>
+      <p:sp>
+        <p:nvSpPr>
+          <p:cNvPr id="14" name="TextBox 17">
+            <a:extLst>
+              <a:ext uri="{FF2B5EF4-FFF2-40B4-BE49-F238E27FC236}">
+                <a16:creationId xmlns:a16="http://schemas.microsoft.com/office/drawing/2014/main" id="{F8FE3B3C-3A6D-4F43-88BF-1B39362F1F02}"/>
+              </a:ext>
+            </a:extLst>
+          </p:cNvPr>
+          <p:cNvSpPr txBox="1"/>
+          <p:nvPr/>
+        </p:nvSpPr>
+        <p:spPr>
+          <a:xfrm>
+            <a:off x="7095462" y="2206968"/>
+            <a:ext cx="448063" cy="371505"/>
+          </a:xfrm>
+          <a:prstGeom prst="rect">
+            <a:avLst/>
+          </a:prstGeom>
+          <a:noFill/>
+        </p:spPr>
+        <p:txBody>
+          <a:bodyPr wrap="square" rtlCol="0">
+            <a:spAutoFit/>
+          </a:bodyPr>
+          <a:lstStyle/>
+          <a:p>
+            <a:pPr algn="ctr"/>
+            <a:r>
+              <a:rPr lang="pt-PT" b="1" dirty="0"/>
+              <a:t>B2</a:t>
+            </a:r>
+          </a:p>
+        </p:txBody>
+      </p:sp>
+      <p:sp>
+        <p:nvSpPr>
+          <p:cNvPr id="15" name="TextBox 17">
+            <a:extLst>
+              <a:ext uri="{FF2B5EF4-FFF2-40B4-BE49-F238E27FC236}">
+                <a16:creationId xmlns:a16="http://schemas.microsoft.com/office/drawing/2014/main" id="{BA9F7695-BCE9-4650-963F-AF05EE870013}"/>
+              </a:ext>
+            </a:extLst>
+          </p:cNvPr>
+          <p:cNvSpPr txBox="1"/>
+          <p:nvPr/>
+        </p:nvSpPr>
+        <p:spPr>
+          <a:xfrm>
+            <a:off x="4883103" y="3681311"/>
+            <a:ext cx="448063" cy="371505"/>
+          </a:xfrm>
+          <a:prstGeom prst="rect">
+            <a:avLst/>
+          </a:prstGeom>
+          <a:noFill/>
+        </p:spPr>
+        <p:txBody>
+          <a:bodyPr wrap="square" rtlCol="0">
+            <a:spAutoFit/>
+          </a:bodyPr>
+          <a:lstStyle/>
+          <a:p>
+            <a:pPr algn="ctr"/>
+            <a:r>
+              <a:rPr lang="pt-PT" b="1" dirty="0"/>
+              <a:t>B3</a:t>
+            </a:r>
+          </a:p>
+        </p:txBody>
+      </p:sp>
+      <p:sp>
+        <p:nvSpPr>
+          <p:cNvPr id="16" name="TextBox 17">
+            <a:extLst>
+              <a:ext uri="{FF2B5EF4-FFF2-40B4-BE49-F238E27FC236}">
+                <a16:creationId xmlns:a16="http://schemas.microsoft.com/office/drawing/2014/main" id="{5B8D916C-2547-4B3E-9C67-2B28201F9DFD}"/>
+              </a:ext>
+            </a:extLst>
+          </p:cNvPr>
+          <p:cNvSpPr txBox="1"/>
+          <p:nvPr/>
+        </p:nvSpPr>
+        <p:spPr>
+          <a:xfrm>
+            <a:off x="9250045" y="2206968"/>
+            <a:ext cx="448063" cy="371505"/>
+          </a:xfrm>
+          <a:prstGeom prst="rect">
+            <a:avLst/>
+          </a:prstGeom>
+          <a:noFill/>
+        </p:spPr>
+        <p:txBody>
+          <a:bodyPr wrap="square" rtlCol="0">
+            <a:spAutoFit/>
+          </a:bodyPr>
+          <a:lstStyle/>
+          <a:p>
+            <a:pPr algn="ctr"/>
+            <a:r>
+              <a:rPr lang="pt-PT" b="1" dirty="0"/>
+              <a:t>B4</a:t>
+            </a:r>
+          </a:p>
+        </p:txBody>
+      </p:sp>
+      <p:sp>
+        <p:nvSpPr>
+          <p:cNvPr id="17" name="TextBox 67">
+            <a:extLst>
+              <a:ext uri="{FF2B5EF4-FFF2-40B4-BE49-F238E27FC236}">
+                <a16:creationId xmlns:a16="http://schemas.microsoft.com/office/drawing/2014/main" id="{A49124AD-E156-414A-B0D1-1DEF8A17E4D3}"/>
+              </a:ext>
+            </a:extLst>
+          </p:cNvPr>
+          <p:cNvSpPr txBox="1"/>
+          <p:nvPr/>
+        </p:nvSpPr>
+        <p:spPr>
+          <a:xfrm>
+            <a:off x="4952844" y="2578473"/>
+            <a:ext cx="436098" cy="369332"/>
+          </a:xfrm>
+          <a:prstGeom prst="rect">
+            <a:avLst/>
+          </a:prstGeom>
+          <a:noFill/>
+        </p:spPr>
+        <p:txBody>
+          <a:bodyPr wrap="square" rtlCol="0">
+            <a:spAutoFit/>
+          </a:bodyPr>
+          <a:lstStyle/>
+          <a:p>
+            <a:pPr algn="ctr"/>
+            <a:r>
+              <a:rPr lang="pt-PT" b="1" dirty="0"/>
+              <a:t>S1</a:t>
+            </a:r>
+          </a:p>
+        </p:txBody>
+      </p:sp>
+      <p:sp>
+        <p:nvSpPr>
+          <p:cNvPr id="18" name="TextBox 67">
+            <a:extLst>
+              <a:ext uri="{FF2B5EF4-FFF2-40B4-BE49-F238E27FC236}">
+                <a16:creationId xmlns:a16="http://schemas.microsoft.com/office/drawing/2014/main" id="{1F100410-37A3-4504-AE98-DB45757A9C73}"/>
+              </a:ext>
+            </a:extLst>
+          </p:cNvPr>
+          <p:cNvSpPr txBox="1"/>
+          <p:nvPr/>
+        </p:nvSpPr>
+        <p:spPr>
+          <a:xfrm>
+            <a:off x="8178736" y="2623248"/>
+            <a:ext cx="436098" cy="369332"/>
+          </a:xfrm>
+          <a:prstGeom prst="rect">
+            <a:avLst/>
+          </a:prstGeom>
+          <a:noFill/>
+        </p:spPr>
+        <p:txBody>
+          <a:bodyPr wrap="square" rtlCol="0">
+            <a:spAutoFit/>
+          </a:bodyPr>
+          <a:lstStyle/>
+          <a:p>
+            <a:pPr algn="ctr"/>
+            <a:r>
+              <a:rPr lang="pt-PT" b="1" dirty="0"/>
+              <a:t>S2</a:t>
+            </a:r>
+          </a:p>
+        </p:txBody>
+      </p:sp>
+      <p:sp>
+        <p:nvSpPr>
+          <p:cNvPr id="19" name="TextBox 67">
+            <a:extLst>
+              <a:ext uri="{FF2B5EF4-FFF2-40B4-BE49-F238E27FC236}">
+                <a16:creationId xmlns:a16="http://schemas.microsoft.com/office/drawing/2014/main" id="{662E7882-98E1-4BBF-8177-0D4896CF11EB}"/>
+              </a:ext>
+            </a:extLst>
+          </p:cNvPr>
+          <p:cNvSpPr txBox="1"/>
+          <p:nvPr/>
+        </p:nvSpPr>
+        <p:spPr>
+          <a:xfrm>
+            <a:off x="3369819" y="4052816"/>
+            <a:ext cx="436098" cy="369332"/>
+          </a:xfrm>
+          <a:prstGeom prst="rect">
+            <a:avLst/>
+          </a:prstGeom>
+          <a:noFill/>
+        </p:spPr>
+        <p:txBody>
+          <a:bodyPr wrap="square" rtlCol="0">
+            <a:spAutoFit/>
+          </a:bodyPr>
+          <a:lstStyle/>
+          <a:p>
+            <a:pPr algn="ctr"/>
+            <a:r>
+              <a:rPr lang="pt-PT" b="1" dirty="0"/>
+              <a:t>S0</a:t>
+            </a:r>
+          </a:p>
+        </p:txBody>
+      </p:sp>
     </p:spTree>
     <p:extLst>
       <p:ext uri="{BB962C8B-B14F-4D97-AF65-F5344CB8AC3E}">
